--- a/analysis/plots/fig2_withdiagrams_windowlines.pptx
+++ b/analysis/plots/fig2_withdiagrams_windowlines.pptx
@@ -243,7 +243,7 @@
           <a:p>
             <a:fld id="{046C0A39-43F4-C94E-B018-225A9907D866}" type="datetimeFigureOut">
               <a:rPr lang="en-US" smtClean="0"/>
-              <a:t>12/29/21</a:t>
+              <a:t>1/5/22</a:t>
             </a:fld>
             <a:endParaRPr lang="en-US"/>
           </a:p>
@@ -413,7 +413,7 @@
           <a:p>
             <a:fld id="{046C0A39-43F4-C94E-B018-225A9907D866}" type="datetimeFigureOut">
               <a:rPr lang="en-US" smtClean="0"/>
-              <a:t>12/29/21</a:t>
+              <a:t>1/5/22</a:t>
             </a:fld>
             <a:endParaRPr lang="en-US"/>
           </a:p>
@@ -593,7 +593,7 @@
           <a:p>
             <a:fld id="{046C0A39-43F4-C94E-B018-225A9907D866}" type="datetimeFigureOut">
               <a:rPr lang="en-US" smtClean="0"/>
-              <a:t>12/29/21</a:t>
+              <a:t>1/5/22</a:t>
             </a:fld>
             <a:endParaRPr lang="en-US"/>
           </a:p>
@@ -763,7 +763,7 @@
           <a:p>
             <a:fld id="{046C0A39-43F4-C94E-B018-225A9907D866}" type="datetimeFigureOut">
               <a:rPr lang="en-US" smtClean="0"/>
-              <a:t>12/29/21</a:t>
+              <a:t>1/5/22</a:t>
             </a:fld>
             <a:endParaRPr lang="en-US"/>
           </a:p>
@@ -1007,7 +1007,7 @@
           <a:p>
             <a:fld id="{046C0A39-43F4-C94E-B018-225A9907D866}" type="datetimeFigureOut">
               <a:rPr lang="en-US" smtClean="0"/>
-              <a:t>12/29/21</a:t>
+              <a:t>1/5/22</a:t>
             </a:fld>
             <a:endParaRPr lang="en-US"/>
           </a:p>
@@ -1239,7 +1239,7 @@
           <a:p>
             <a:fld id="{046C0A39-43F4-C94E-B018-225A9907D866}" type="datetimeFigureOut">
               <a:rPr lang="en-US" smtClean="0"/>
-              <a:t>12/29/21</a:t>
+              <a:t>1/5/22</a:t>
             </a:fld>
             <a:endParaRPr lang="en-US"/>
           </a:p>
@@ -1606,7 +1606,7 @@
           <a:p>
             <a:fld id="{046C0A39-43F4-C94E-B018-225A9907D866}" type="datetimeFigureOut">
               <a:rPr lang="en-US" smtClean="0"/>
-              <a:t>12/29/21</a:t>
+              <a:t>1/5/22</a:t>
             </a:fld>
             <a:endParaRPr lang="en-US"/>
           </a:p>
@@ -1724,7 +1724,7 @@
           <a:p>
             <a:fld id="{046C0A39-43F4-C94E-B018-225A9907D866}" type="datetimeFigureOut">
               <a:rPr lang="en-US" smtClean="0"/>
-              <a:t>12/29/21</a:t>
+              <a:t>1/5/22</a:t>
             </a:fld>
             <a:endParaRPr lang="en-US"/>
           </a:p>
@@ -1819,7 +1819,7 @@
           <a:p>
             <a:fld id="{046C0A39-43F4-C94E-B018-225A9907D866}" type="datetimeFigureOut">
               <a:rPr lang="en-US" smtClean="0"/>
-              <a:t>12/29/21</a:t>
+              <a:t>1/5/22</a:t>
             </a:fld>
             <a:endParaRPr lang="en-US"/>
           </a:p>
@@ -2096,7 +2096,7 @@
           <a:p>
             <a:fld id="{046C0A39-43F4-C94E-B018-225A9907D866}" type="datetimeFigureOut">
               <a:rPr lang="en-US" smtClean="0"/>
-              <a:t>12/29/21</a:t>
+              <a:t>1/5/22</a:t>
             </a:fld>
             <a:endParaRPr lang="en-US"/>
           </a:p>
@@ -2353,7 +2353,7 @@
           <a:p>
             <a:fld id="{046C0A39-43F4-C94E-B018-225A9907D866}" type="datetimeFigureOut">
               <a:rPr lang="en-US" smtClean="0"/>
-              <a:t>12/29/21</a:t>
+              <a:t>1/5/22</a:t>
             </a:fld>
             <a:endParaRPr lang="en-US"/>
           </a:p>
@@ -2566,7 +2566,7 @@
           <a:p>
             <a:fld id="{046C0A39-43F4-C94E-B018-225A9907D866}" type="datetimeFigureOut">
               <a:rPr lang="en-US" smtClean="0"/>
-              <a:t>12/29/21</a:t>
+              <a:t>1/5/22</a:t>
             </a:fld>
             <a:endParaRPr lang="en-US"/>
           </a:p>
@@ -3219,8 +3219,8 @@
         </p:nvSpPr>
         <p:spPr>
           <a:xfrm>
-            <a:off x="489436" y="253766"/>
-            <a:ext cx="3265638" cy="276999"/>
+            <a:off x="856377" y="255035"/>
+            <a:ext cx="2470548" cy="276999"/>
           </a:xfrm>
           <a:prstGeom prst="rect">
             <a:avLst/>
@@ -3239,7 +3239,7 @@
                 <a:ea typeface="Arial Unicode MS" panose="020B0604020202020204" pitchFamily="34" charset="-128"/>
                 <a:cs typeface="Arial Unicode MS" panose="020B0604020202020204" pitchFamily="34" charset="-128"/>
               </a:rPr>
-              <a:t>Apr-01-2020 (branches from Mar 1 to Apr 30)</a:t>
+              <a:t>Apr-01-2020 (March 1 to April 30)</a:t>
             </a:r>
           </a:p>
         </p:txBody>
@@ -3355,8 +3355,8 @@
         </p:nvSpPr>
         <p:spPr>
           <a:xfrm>
-            <a:off x="3973412" y="257807"/>
-            <a:ext cx="3289683" cy="276999"/>
+            <a:off x="4089162" y="257807"/>
+            <a:ext cx="2997937" cy="276999"/>
           </a:xfrm>
           <a:prstGeom prst="rect">
             <a:avLst/>
@@ -3375,7 +3375,7 @@
                 <a:ea typeface="Arial Unicode MS" panose="020B0604020202020204" pitchFamily="34" charset="-128"/>
                 <a:cs typeface="Arial Unicode MS" panose="020B0604020202020204" pitchFamily="34" charset="-128"/>
               </a:rPr>
-              <a:t>Jan-01-2021 (branches from Dec 1 to Jan 31)</a:t>
+              <a:t>Jan-01-2021 (December 1 to January 31)</a:t>
             </a:r>
           </a:p>
         </p:txBody>
